--- a/training/day1/2HTTPDay1.pptx
+++ b/training/day1/2HTTPDay1.pptx
@@ -7101,28 +7101,20 @@
           </a:p>
           <a:p>
             <a:r>
-              <a:rPr lang="en-US" b="1" dirty="0">
-                <a:solidFill>
-                  <a:schemeClr val="bg1"/>
-                </a:solidFill>
-              </a:rPr>
-              <a:t>	</a:t>
-            </a:r>
-            <a:r>
-              <a:rPr lang="en-US" b="1" dirty="0" err="1">
-                <a:solidFill>
-                  <a:schemeClr val="bg1"/>
-                </a:solidFill>
-              </a:rPr>
-              <a:t>numberical</a:t>
-            </a:r>
-            <a:r>
-              <a:rPr lang="en-US" b="1" dirty="0">
-                <a:solidFill>
-                  <a:schemeClr val="bg1"/>
-                </a:solidFill>
-              </a:rPr>
-              <a:t> label assigned to each device in a Internet protocol based communication</a:t>
+              <a:rPr lang="en-US" b="1">
+                <a:solidFill>
+                  <a:schemeClr val="bg1"/>
+                </a:solidFill>
+              </a:rPr>
+              <a:t>	numerical </a:t>
+            </a:r>
+            <a:r>
+              <a:rPr lang="en-US" b="1" dirty="0">
+                <a:solidFill>
+                  <a:schemeClr val="bg1"/>
+                </a:solidFill>
+              </a:rPr>
+              <a:t>label assigned to each device in a Internet protocol based communication</a:t>
             </a:r>
           </a:p>
           <a:p>
@@ -8127,37 +8119,37 @@
                   <a:schemeClr val="bg1"/>
                 </a:solidFill>
               </a:rPr>
-              <a:t>GET: Retrieve document identified by URLDELETE: Deletes specified URL.</a:t>
-            </a:r>
-          </a:p>
-          <a:p>
-            <a:r>
-              <a:rPr lang="en-US" b="1" dirty="0">
-                <a:solidFill>
-                  <a:schemeClr val="bg1"/>
-                </a:solidFill>
-              </a:rPr>
-              <a:t>PUT: Store document under specified URL. Used for update.</a:t>
-            </a:r>
-          </a:p>
-          <a:p>
-            <a:r>
-              <a:rPr lang="en-US" b="1" dirty="0">
-                <a:solidFill>
-                  <a:schemeClr val="bg1"/>
-                </a:solidFill>
-              </a:rPr>
-              <a:t>POST: Give information to server. Used for add.</a:t>
-            </a:r>
-          </a:p>
-          <a:p>
-            <a:r>
-              <a:rPr lang="en-US" b="1" dirty="0">
-                <a:solidFill>
-                  <a:schemeClr val="bg1"/>
-                </a:solidFill>
-              </a:rPr>
-              <a:t>DELETE: Delete a document on the server.</a:t>
+              <a:t>GET: 	Retrieve document identified by URLDELETE: Deletes specified URL.</a:t>
+            </a:r>
+          </a:p>
+          <a:p>
+            <a:r>
+              <a:rPr lang="en-US" b="1" dirty="0">
+                <a:solidFill>
+                  <a:schemeClr val="bg1"/>
+                </a:solidFill>
+              </a:rPr>
+              <a:t>POST: 	Give information to server. Used for add.</a:t>
+            </a:r>
+          </a:p>
+          <a:p>
+            <a:r>
+              <a:rPr lang="en-US" b="1" dirty="0">
+                <a:solidFill>
+                  <a:schemeClr val="bg1"/>
+                </a:solidFill>
+              </a:rPr>
+              <a:t>PUT: 	Store document under specified URL. Used for update.</a:t>
+            </a:r>
+          </a:p>
+          <a:p>
+            <a:r>
+              <a:rPr lang="en-US" b="1" dirty="0">
+                <a:solidFill>
+                  <a:schemeClr val="bg1"/>
+                </a:solidFill>
+              </a:rPr>
+              <a:t>DELETE: 	Delete a document on the server.</a:t>
             </a:r>
           </a:p>
           <a:p>
